--- a/Duy & Garrett - Case Study 1.pptx
+++ b/Duy & Garrett - Case Study 1.pptx
@@ -20,7 +20,7 @@
     <p:sldId id="274" r:id="rId11"/>
     <p:sldId id="275" r:id="rId12"/>
     <p:sldId id="273" r:id="rId13"/>
-    <p:sldId id="279" r:id="rId14"/>
+    <p:sldId id="280" r:id="rId14"/>
     <p:sldId id="264" r:id="rId15"/>
     <p:sldId id="278" r:id="rId16"/>
   </p:sldIdLst>
@@ -771,90 +771,6 @@
 </file>
 
 <file path=ppt/notesSlides/notesSlide10.xml><?xml version="1.0" encoding="utf-8"?>
-<p:notes xmlns:a="http://schemas.openxmlformats.org/drawingml/2006/main" xmlns:r="http://schemas.openxmlformats.org/officeDocument/2006/relationships" xmlns:p="http://schemas.openxmlformats.org/presentationml/2006/main">
-  <p:cSld>
-    <p:spTree>
-      <p:nvGrpSpPr>
-        <p:cNvPr id="1" name=""/>
-        <p:cNvGrpSpPr/>
-        <p:nvPr/>
-      </p:nvGrpSpPr>
-      <p:grpSpPr>
-        <a:xfrm>
-          <a:off x="0" y="0"/>
-          <a:ext cx="0" cy="0"/>
-          <a:chOff x="0" y="0"/>
-          <a:chExt cx="0" cy="0"/>
-        </a:xfrm>
-      </p:grpSpPr>
-      <p:sp>
-        <p:nvSpPr>
-          <p:cNvPr id="2" name="Slide Image Placeholder 1"/>
-          <p:cNvSpPr>
-            <a:spLocks noGrp="1" noRot="1" noChangeAspect="1"/>
-          </p:cNvSpPr>
-          <p:nvPr>
-            <p:ph type="sldImg"/>
-          </p:nvPr>
-        </p:nvSpPr>
-        <p:spPr/>
-      </p:sp>
-      <p:sp>
-        <p:nvSpPr>
-          <p:cNvPr id="3" name="Notes Placeholder 2"/>
-          <p:cNvSpPr>
-            <a:spLocks noGrp="1"/>
-          </p:cNvSpPr>
-          <p:nvPr>
-            <p:ph type="body" idx="1"/>
-          </p:nvPr>
-        </p:nvSpPr>
-        <p:spPr/>
-        <p:txBody>
-          <a:bodyPr/>
-          <a:lstStyle/>
-          <a:p>
-            <a:endParaRPr lang="en-US" dirty="0"/>
-          </a:p>
-        </p:txBody>
-      </p:sp>
-      <p:sp>
-        <p:nvSpPr>
-          <p:cNvPr id="4" name="Slide Number Placeholder 3"/>
-          <p:cNvSpPr>
-            <a:spLocks noGrp="1"/>
-          </p:cNvSpPr>
-          <p:nvPr>
-            <p:ph type="sldNum" sz="quarter" idx="5"/>
-          </p:nvPr>
-        </p:nvSpPr>
-        <p:spPr/>
-        <p:txBody>
-          <a:bodyPr/>
-          <a:lstStyle/>
-          <a:p>
-            <a:fld id="{79230CFA-805A-4FD3-B3A0-DAAA5993DA17}" type="slidenum">
-              <a:rPr lang="en-US" noProof="0" smtClean="0"/>
-              <a:t>10</a:t>
-            </a:fld>
-            <a:endParaRPr lang="en-US" noProof="0" dirty="0"/>
-          </a:p>
-        </p:txBody>
-      </p:sp>
-    </p:spTree>
-    <p:extLst>
-      <p:ext uri="{BB962C8B-B14F-4D97-AF65-F5344CB8AC3E}">
-        <p14:creationId xmlns:p14="http://schemas.microsoft.com/office/powerpoint/2010/main" val="451161457"/>
-      </p:ext>
-    </p:extLst>
-  </p:cSld>
-  <p:clrMapOvr>
-    <a:masterClrMapping/>
-  </p:clrMapOvr>
-</p:notes>
-</file>
-
-<file path=ppt/notesSlides/notesSlide11.xml><?xml version="1.0" encoding="utf-8"?>
 <p:notes xmlns:a="http://schemas.openxmlformats.org/drawingml/2006/main" xmlns:r="http://schemas.openxmlformats.org/officeDocument/2006/relationships" xmlns:p="http://schemas.openxmlformats.org/presentationml/2006/main">
   <p:cSld>
     <p:spTree>
@@ -14221,12 +14137,139 @@
           <a:chExt cx="0" cy="0"/>
         </a:xfrm>
       </p:grpSpPr>
+      <p:pic>
+        <p:nvPicPr>
+          <p:cNvPr id="31" name="Picture 2">
+            <a:extLst>
+              <a:ext uri="{FF2B5EF4-FFF2-40B4-BE49-F238E27FC236}">
+                <a16:creationId xmlns:a16="http://schemas.microsoft.com/office/drawing/2014/main" id="{E1C4F88F-4C5D-48BB-96E3-00DBBA948F20}"/>
+              </a:ext>
+            </a:extLst>
+          </p:cNvPr>
+          <p:cNvPicPr>
+            <a:picLocks noChangeAspect="1" noChangeArrowheads="1"/>
+          </p:cNvPicPr>
+          <p:nvPr/>
+        </p:nvPicPr>
+        <p:blipFill rotWithShape="1">
+          <a:blip r:embed="rId2">
+            <a:extLst>
+              <a:ext uri="{28A0092B-C50C-407E-A947-70E740481C1C}">
+                <a14:useLocalDpi xmlns:a14="http://schemas.microsoft.com/office/drawing/2010/main" val="0"/>
+              </a:ext>
+            </a:extLst>
+          </a:blip>
+          <a:srcRect l="-617" t="20721" r="737" b="23845"/>
+          <a:stretch/>
+        </p:blipFill>
+        <p:spPr bwMode="auto">
+          <a:xfrm>
+            <a:off x="1309385" y="1413856"/>
+            <a:ext cx="8856100" cy="3510829"/>
+          </a:xfrm>
+          <a:prstGeom prst="snipRoundRect">
+            <a:avLst>
+              <a:gd name="adj1" fmla="val 16667"/>
+              <a:gd name="adj2" fmla="val 40656"/>
+            </a:avLst>
+          </a:prstGeom>
+          <a:noFill/>
+          <a:extLst>
+            <a:ext uri="{909E8E84-426E-40DD-AFC4-6F175D3DCCD1}">
+              <a14:hiddenFill xmlns:a14="http://schemas.microsoft.com/office/drawing/2010/main">
+                <a:solidFill>
+                  <a:srgbClr val="FFFFFF"/>
+                </a:solidFill>
+              </a14:hiddenFill>
+            </a:ext>
+          </a:extLst>
+        </p:spPr>
+      </p:pic>
       <p:sp>
         <p:nvSpPr>
-          <p:cNvPr id="6" name="Rectangle 5">
-            <a:extLst>
-              <a:ext uri="{FF2B5EF4-FFF2-40B4-BE49-F238E27FC236}">
-                <a16:creationId xmlns:a16="http://schemas.microsoft.com/office/drawing/2014/main" id="{34589BE0-151A-4CCC-BC08-83361E9E8B5E}"/>
+          <p:cNvPr id="4" name="Slide Number Placeholder 3">
+            <a:extLst>
+              <a:ext uri="{FF2B5EF4-FFF2-40B4-BE49-F238E27FC236}">
+                <a16:creationId xmlns:a16="http://schemas.microsoft.com/office/drawing/2014/main" id="{1CE0E226-F4EC-4D6C-8CB2-0EDC82551574}"/>
+              </a:ext>
+            </a:extLst>
+          </p:cNvPr>
+          <p:cNvSpPr>
+            <a:spLocks noGrp="1"/>
+          </p:cNvSpPr>
+          <p:nvPr>
+            <p:ph type="sldNum" sz="quarter" idx="18"/>
+          </p:nvPr>
+        </p:nvSpPr>
+        <p:spPr>
+          <a:xfrm>
+            <a:off x="11146971" y="6356350"/>
+            <a:ext cx="740227" cy="365125"/>
+          </a:xfrm>
+        </p:spPr>
+        <p:txBody>
+          <a:bodyPr anchor="ctr">
+            <a:normAutofit/>
+          </a:bodyPr>
+          <a:lstStyle/>
+          <a:p>
+            <a:pPr>
+              <a:spcAft>
+                <a:spcPts val="600"/>
+              </a:spcAft>
+            </a:pPr>
+            <a:fld id="{8699F50C-BE38-4BD0-BA84-9B090E1F2B9B}" type="slidenum">
+              <a:rPr lang="en-US" noProof="0" smtClean="0"/>
+              <a:pPr>
+                <a:spcAft>
+                  <a:spcPts val="600"/>
+                </a:spcAft>
+              </a:pPr>
+              <a:t>10</a:t>
+            </a:fld>
+            <a:endParaRPr lang="en-US" noProof="0"/>
+          </a:p>
+        </p:txBody>
+      </p:sp>
+      <p:sp>
+        <p:nvSpPr>
+          <p:cNvPr id="30" name="Title 29">
+            <a:extLst>
+              <a:ext uri="{FF2B5EF4-FFF2-40B4-BE49-F238E27FC236}">
+                <a16:creationId xmlns:a16="http://schemas.microsoft.com/office/drawing/2014/main" id="{102BE7D8-8F98-4314-9FBF-D5337E27F0C2}"/>
+              </a:ext>
+            </a:extLst>
+          </p:cNvPr>
+          <p:cNvSpPr>
+            <a:spLocks noGrp="1"/>
+          </p:cNvSpPr>
+          <p:nvPr>
+            <p:ph type="title"/>
+          </p:nvPr>
+        </p:nvSpPr>
+        <p:spPr>
+          <a:xfrm>
+            <a:off x="466867" y="427392"/>
+            <a:ext cx="8333222" cy="759963"/>
+          </a:xfrm>
+        </p:spPr>
+        <p:txBody>
+          <a:bodyPr/>
+          <a:lstStyle/>
+          <a:p>
+            <a:r>
+              <a:rPr lang="en-US" dirty="0"/>
+              <a:t>Top 10 Beer Styles </a:t>
+            </a:r>
+          </a:p>
+        </p:txBody>
+      </p:sp>
+      <p:sp>
+        <p:nvSpPr>
+          <p:cNvPr id="32" name="Rectangle: Rounded Corners 31">
+            <a:extLst>
+              <a:ext uri="{FF2B5EF4-FFF2-40B4-BE49-F238E27FC236}">
+                <a16:creationId xmlns:a16="http://schemas.microsoft.com/office/drawing/2014/main" id="{5A54BEE1-77ED-457B-9CB5-76E7B4C9380A}"/>
               </a:ext>
             </a:extLst>
           </p:cNvPr>
@@ -14235,8 +14278,284 @@
         </p:nvSpPr>
         <p:spPr>
           <a:xfrm>
-            <a:off x="6248401" y="-3543"/>
-            <a:ext cx="5943600" cy="3599359"/>
+            <a:off x="1254297" y="5337552"/>
+            <a:ext cx="4427225" cy="903558"/>
+          </a:xfrm>
+          <a:prstGeom prst="roundRect">
+            <a:avLst/>
+          </a:prstGeom>
+          <a:noFill/>
+          <a:ln w="38100">
+            <a:solidFill>
+              <a:schemeClr val="accent2">
+                <a:lumMod val="75000"/>
+              </a:schemeClr>
+            </a:solidFill>
+          </a:ln>
+        </p:spPr>
+        <p:style>
+          <a:lnRef idx="2">
+            <a:schemeClr val="accent1">
+              <a:shade val="50000"/>
+            </a:schemeClr>
+          </a:lnRef>
+          <a:fillRef idx="1">
+            <a:schemeClr val="accent1"/>
+          </a:fillRef>
+          <a:effectRef idx="0">
+            <a:schemeClr val="accent1"/>
+          </a:effectRef>
+          <a:fontRef idx="minor">
+            <a:schemeClr val="lt1"/>
+          </a:fontRef>
+        </p:style>
+        <p:txBody>
+          <a:bodyPr rtlCol="0" anchor="ctr"/>
+          <a:lstStyle/>
+          <a:p>
+            <a:pPr algn="ctr"/>
+            <a:endParaRPr lang="en-US">
+              <a:solidFill>
+                <a:schemeClr val="accent2">
+                  <a:lumMod val="75000"/>
+                </a:schemeClr>
+              </a:solidFill>
+            </a:endParaRPr>
+          </a:p>
+        </p:txBody>
+      </p:sp>
+      <p:sp>
+        <p:nvSpPr>
+          <p:cNvPr id="33" name="TextBox 32">
+            <a:extLst>
+              <a:ext uri="{FF2B5EF4-FFF2-40B4-BE49-F238E27FC236}">
+                <a16:creationId xmlns:a16="http://schemas.microsoft.com/office/drawing/2014/main" id="{D155BC94-87A8-4BA4-B1CA-ED5EF9CCCF79}"/>
+              </a:ext>
+            </a:extLst>
+          </p:cNvPr>
+          <p:cNvSpPr txBox="1"/>
+          <p:nvPr/>
+        </p:nvSpPr>
+        <p:spPr>
+          <a:xfrm>
+            <a:off x="3176002" y="5357181"/>
+            <a:ext cx="583814" cy="369332"/>
+          </a:xfrm>
+          <a:prstGeom prst="rect">
+            <a:avLst/>
+          </a:prstGeom>
+          <a:noFill/>
+        </p:spPr>
+        <p:txBody>
+          <a:bodyPr wrap="none" rtlCol="0">
+            <a:spAutoFit/>
+          </a:bodyPr>
+          <a:lstStyle/>
+          <a:p>
+            <a:r>
+              <a:rPr lang="en-US" b="1" dirty="0">
+                <a:solidFill>
+                  <a:schemeClr val="accent2">
+                    <a:lumMod val="75000"/>
+                  </a:schemeClr>
+                </a:solidFill>
+              </a:rPr>
+              <a:t>56%</a:t>
+            </a:r>
+          </a:p>
+        </p:txBody>
+      </p:sp>
+      <p:sp>
+        <p:nvSpPr>
+          <p:cNvPr id="34" name="Rectangle: Rounded Corners 33">
+            <a:extLst>
+              <a:ext uri="{FF2B5EF4-FFF2-40B4-BE49-F238E27FC236}">
+                <a16:creationId xmlns:a16="http://schemas.microsoft.com/office/drawing/2014/main" id="{E57D7EA9-3A6F-4995-B1D5-75F28C19BD32}"/>
+              </a:ext>
+            </a:extLst>
+          </p:cNvPr>
+          <p:cNvSpPr/>
+          <p:nvPr/>
+        </p:nvSpPr>
+        <p:spPr>
+          <a:xfrm>
+            <a:off x="6719746" y="5357181"/>
+            <a:ext cx="4427225" cy="883929"/>
+          </a:xfrm>
+          <a:prstGeom prst="roundRect">
+            <a:avLst/>
+          </a:prstGeom>
+          <a:noFill/>
+          <a:ln w="38100">
+            <a:solidFill>
+              <a:srgbClr val="002060"/>
+            </a:solidFill>
+          </a:ln>
+        </p:spPr>
+        <p:style>
+          <a:lnRef idx="2">
+            <a:schemeClr val="accent1">
+              <a:shade val="50000"/>
+            </a:schemeClr>
+          </a:lnRef>
+          <a:fillRef idx="1">
+            <a:schemeClr val="accent1"/>
+          </a:fillRef>
+          <a:effectRef idx="0">
+            <a:schemeClr val="accent1"/>
+          </a:effectRef>
+          <a:fontRef idx="minor">
+            <a:schemeClr val="lt1"/>
+          </a:fontRef>
+        </p:style>
+        <p:txBody>
+          <a:bodyPr rtlCol="0" anchor="ctr"/>
+          <a:lstStyle/>
+          <a:p>
+            <a:pPr algn="ctr"/>
+            <a:endParaRPr lang="en-US"/>
+          </a:p>
+        </p:txBody>
+      </p:sp>
+      <p:sp>
+        <p:nvSpPr>
+          <p:cNvPr id="35" name="TextBox 34">
+            <a:extLst>
+              <a:ext uri="{FF2B5EF4-FFF2-40B4-BE49-F238E27FC236}">
+                <a16:creationId xmlns:a16="http://schemas.microsoft.com/office/drawing/2014/main" id="{E5595331-3028-4E3D-9DD5-9CB3C9029799}"/>
+              </a:ext>
+            </a:extLst>
+          </p:cNvPr>
+          <p:cNvSpPr txBox="1"/>
+          <p:nvPr/>
+        </p:nvSpPr>
+        <p:spPr>
+          <a:xfrm>
+            <a:off x="8641451" y="5376810"/>
+            <a:ext cx="583814" cy="369332"/>
+          </a:xfrm>
+          <a:prstGeom prst="rect">
+            <a:avLst/>
+          </a:prstGeom>
+          <a:noFill/>
+        </p:spPr>
+        <p:txBody>
+          <a:bodyPr wrap="none" rtlCol="0">
+            <a:spAutoFit/>
+          </a:bodyPr>
+          <a:lstStyle/>
+          <a:p>
+            <a:r>
+              <a:rPr lang="en-US" b="1" dirty="0">
+                <a:solidFill>
+                  <a:schemeClr val="accent6">
+                    <a:lumMod val="75000"/>
+                  </a:schemeClr>
+                </a:solidFill>
+              </a:rPr>
+              <a:t>27%</a:t>
+            </a:r>
+          </a:p>
+        </p:txBody>
+      </p:sp>
+      <p:sp>
+        <p:nvSpPr>
+          <p:cNvPr id="36" name="TextBox 35">
+            <a:extLst>
+              <a:ext uri="{FF2B5EF4-FFF2-40B4-BE49-F238E27FC236}">
+                <a16:creationId xmlns:a16="http://schemas.microsoft.com/office/drawing/2014/main" id="{857BACAE-C1E4-40CA-A949-E929F9FF867C}"/>
+              </a:ext>
+            </a:extLst>
+          </p:cNvPr>
+          <p:cNvSpPr txBox="1"/>
+          <p:nvPr/>
+        </p:nvSpPr>
+        <p:spPr>
+          <a:xfrm>
+            <a:off x="6877356" y="5697110"/>
+            <a:ext cx="4427225" cy="338554"/>
+          </a:xfrm>
+          <a:prstGeom prst="rect">
+            <a:avLst/>
+          </a:prstGeom>
+          <a:noFill/>
+        </p:spPr>
+        <p:txBody>
+          <a:bodyPr wrap="square" rtlCol="0">
+            <a:spAutoFit/>
+          </a:bodyPr>
+          <a:lstStyle/>
+          <a:p>
+            <a:r>
+              <a:rPr lang="en-US" sz="1600" i="1" dirty="0">
+                <a:solidFill>
+                  <a:schemeClr val="accent6">
+                    <a:lumMod val="75000"/>
+                  </a:schemeClr>
+                </a:solidFill>
+              </a:rPr>
+              <a:t>of all beers are either an APA or an American IPA</a:t>
+            </a:r>
+          </a:p>
+        </p:txBody>
+      </p:sp>
+      <p:sp>
+        <p:nvSpPr>
+          <p:cNvPr id="37" name="TextBox 36">
+            <a:extLst>
+              <a:ext uri="{FF2B5EF4-FFF2-40B4-BE49-F238E27FC236}">
+                <a16:creationId xmlns:a16="http://schemas.microsoft.com/office/drawing/2014/main" id="{F85BE339-3D03-493B-9BE2-7C96FBF9EDA0}"/>
+              </a:ext>
+            </a:extLst>
+          </p:cNvPr>
+          <p:cNvSpPr txBox="1"/>
+          <p:nvPr/>
+        </p:nvSpPr>
+        <p:spPr>
+          <a:xfrm>
+            <a:off x="1973078" y="5696535"/>
+            <a:ext cx="4427225" cy="338554"/>
+          </a:xfrm>
+          <a:prstGeom prst="rect">
+            <a:avLst/>
+          </a:prstGeom>
+          <a:noFill/>
+        </p:spPr>
+        <p:txBody>
+          <a:bodyPr wrap="square" rtlCol="0">
+            <a:spAutoFit/>
+          </a:bodyPr>
+          <a:lstStyle/>
+          <a:p>
+            <a:r>
+              <a:rPr lang="en-US" sz="1600" i="1" dirty="0">
+                <a:solidFill>
+                  <a:schemeClr val="accent2">
+                    <a:lumMod val="75000"/>
+                  </a:schemeClr>
+                </a:solidFill>
+              </a:rPr>
+              <a:t>of all beers are one of these styles</a:t>
+            </a:r>
+          </a:p>
+        </p:txBody>
+      </p:sp>
+      <p:sp>
+        <p:nvSpPr>
+          <p:cNvPr id="38" name="Rectangle 37">
+            <a:extLst>
+              <a:ext uri="{FF2B5EF4-FFF2-40B4-BE49-F238E27FC236}">
+                <a16:creationId xmlns:a16="http://schemas.microsoft.com/office/drawing/2014/main" id="{DC561A91-B9A8-4A05-ACA6-FFE4BB647035}"/>
+              </a:ext>
+            </a:extLst>
+          </p:cNvPr>
+          <p:cNvSpPr/>
+          <p:nvPr/>
+        </p:nvSpPr>
+        <p:spPr>
+          <a:xfrm>
+            <a:off x="11013742" y="218364"/>
+            <a:ext cx="1009935" cy="592177"/>
           </a:xfrm>
           <a:prstGeom prst="rect">
             <a:avLst/>
@@ -14277,133 +14596,10 @@
       </p:sp>
       <p:sp>
         <p:nvSpPr>
-          <p:cNvPr id="18" name="Title 13">
-            <a:extLst>
-              <a:ext uri="{FF2B5EF4-FFF2-40B4-BE49-F238E27FC236}">
-                <a16:creationId xmlns:a16="http://schemas.microsoft.com/office/drawing/2014/main" id="{92896B42-4638-40D0-8887-7AB8D1D86B3D}"/>
-              </a:ext>
-            </a:extLst>
-          </p:cNvPr>
-          <p:cNvSpPr>
-            <a:spLocks noGrp="1"/>
-          </p:cNvSpPr>
-          <p:nvPr>
-            <p:ph type="title"/>
-          </p:nvPr>
-        </p:nvSpPr>
-        <p:spPr>
-          <a:xfrm>
-            <a:off x="1927649" y="219369"/>
-            <a:ext cx="8333222" cy="1051395"/>
-          </a:xfrm>
-        </p:spPr>
-        <p:txBody>
-          <a:bodyPr/>
-          <a:lstStyle/>
-          <a:p>
-            <a:pPr lvl="0" algn="ctr"/>
-            <a:r>
-              <a:rPr lang="en-US" dirty="0"/>
-              <a:t>Top 10 Beer Styles </a:t>
-            </a:r>
-          </a:p>
-        </p:txBody>
-      </p:sp>
-      <p:sp>
-        <p:nvSpPr>
-          <p:cNvPr id="4" name="Slide Number Placeholder 3">
-            <a:extLst>
-              <a:ext uri="{FF2B5EF4-FFF2-40B4-BE49-F238E27FC236}">
-                <a16:creationId xmlns:a16="http://schemas.microsoft.com/office/drawing/2014/main" id="{B2228214-87DB-4B3A-BD81-9A709A69BAAC}"/>
-              </a:ext>
-            </a:extLst>
-          </p:cNvPr>
-          <p:cNvSpPr>
-            <a:spLocks noGrp="1"/>
-          </p:cNvSpPr>
-          <p:nvPr>
-            <p:ph type="sldNum" sz="quarter" idx="18"/>
-          </p:nvPr>
-        </p:nvSpPr>
-        <p:spPr/>
-        <p:txBody>
-          <a:bodyPr/>
-          <a:lstStyle/>
-          <a:p>
-            <a:pPr marL="0" marR="0" lvl="0" indent="0" algn="r" defTabSz="914400" rtl="0" eaLnBrk="1" fontAlgn="auto" latinLnBrk="0" hangingPunct="1">
-              <a:lnSpc>
-                <a:spcPct val="100000"/>
-              </a:lnSpc>
-              <a:spcBef>
-                <a:spcPts val="0"/>
-              </a:spcBef>
-              <a:spcAft>
-                <a:spcPts val="0"/>
-              </a:spcAft>
-              <a:buClrTx/>
-              <a:buSzTx/>
-              <a:buFontTx/>
-              <a:buNone/>
-              <a:tabLst/>
-              <a:defRPr/>
-            </a:pPr>
-            <a:fld id="{8699F50C-BE38-4BD0-BA84-9B090E1F2B9B}" type="slidenum">
-              <a:rPr kumimoji="0" lang="en-US" sz="1200" b="0" i="0" u="none" strike="noStrike" kern="1200" cap="none" spc="0" normalizeH="0" baseline="0" noProof="0" smtClean="0">
-                <a:ln>
-                  <a:noFill/>
-                </a:ln>
-                <a:solidFill>
-                  <a:srgbClr val="A5A5A5"/>
-                </a:solidFill>
-                <a:effectLst/>
-                <a:uLnTx/>
-                <a:uFillTx/>
-                <a:latin typeface="Calibri" panose="020F0502020204030204"/>
-                <a:ea typeface="+mn-ea"/>
-                <a:cs typeface="+mn-cs"/>
-              </a:rPr>
-              <a:pPr marL="0" marR="0" lvl="0" indent="0" algn="r" defTabSz="914400" rtl="0" eaLnBrk="1" fontAlgn="auto" latinLnBrk="0" hangingPunct="1">
-                <a:lnSpc>
-                  <a:spcPct val="100000"/>
-                </a:lnSpc>
-                <a:spcBef>
-                  <a:spcPts val="0"/>
-                </a:spcBef>
-                <a:spcAft>
-                  <a:spcPts val="0"/>
-                </a:spcAft>
-                <a:buClrTx/>
-                <a:buSzTx/>
-                <a:buFontTx/>
-                <a:buNone/>
-                <a:tabLst/>
-                <a:defRPr/>
-              </a:pPr>
-              <a:t>10</a:t>
-            </a:fld>
-            <a:endParaRPr kumimoji="0" lang="en-US" sz="1200" b="0" i="0" u="none" strike="noStrike" kern="1200" cap="none" spc="0" normalizeH="0" baseline="0" noProof="0" dirty="0">
-              <a:ln>
-                <a:noFill/>
-              </a:ln>
-              <a:solidFill>
-                <a:srgbClr val="A5A5A5"/>
-              </a:solidFill>
-              <a:effectLst/>
-              <a:uLnTx/>
-              <a:uFillTx/>
-              <a:latin typeface="Calibri" panose="020F0502020204030204"/>
-              <a:ea typeface="+mn-ea"/>
-              <a:cs typeface="+mn-cs"/>
-            </a:endParaRPr>
-          </a:p>
-        </p:txBody>
-      </p:sp>
-      <p:sp>
-        <p:nvSpPr>
-          <p:cNvPr id="8" name="Rectangle 7">
-            <a:extLst>
-              <a:ext uri="{FF2B5EF4-FFF2-40B4-BE49-F238E27FC236}">
-                <a16:creationId xmlns:a16="http://schemas.microsoft.com/office/drawing/2014/main" id="{7EECB678-3719-458F-B768-064B5755B7AC}"/>
+          <p:cNvPr id="39" name="Rectangle 38">
+            <a:extLst>
+              <a:ext uri="{FF2B5EF4-FFF2-40B4-BE49-F238E27FC236}">
+                <a16:creationId xmlns:a16="http://schemas.microsoft.com/office/drawing/2014/main" id="{2AE53007-F832-40C2-BE96-62148D33C058}"/>
               </a:ext>
             </a:extLst>
           </p:cNvPr>
@@ -14412,8 +14608,8 @@
         </p:nvSpPr>
         <p:spPr>
           <a:xfrm>
-            <a:off x="10882616" y="209028"/>
-            <a:ext cx="1128762" cy="536039"/>
+            <a:off x="0" y="3429000"/>
+            <a:ext cx="1173707" cy="1409737"/>
           </a:xfrm>
           <a:prstGeom prst="rect">
             <a:avLst/>
@@ -14452,55 +14648,64 @@
           </a:p>
         </p:txBody>
       </p:sp>
-      <p:pic>
-        <p:nvPicPr>
-          <p:cNvPr id="1026" name="Picture 2">
-            <a:extLst>
-              <a:ext uri="{FF2B5EF4-FFF2-40B4-BE49-F238E27FC236}">
-                <a16:creationId xmlns:a16="http://schemas.microsoft.com/office/drawing/2014/main" id="{717306DD-9C29-49F1-BA03-D3075A1E960F}"/>
-              </a:ext>
-            </a:extLst>
-          </p:cNvPr>
-          <p:cNvPicPr>
-            <a:picLocks noChangeAspect="1" noChangeArrowheads="1"/>
-          </p:cNvPicPr>
+      <p:sp>
+        <p:nvSpPr>
+          <p:cNvPr id="40" name="Rectangle 39">
+            <a:extLst>
+              <a:ext uri="{FF2B5EF4-FFF2-40B4-BE49-F238E27FC236}">
+                <a16:creationId xmlns:a16="http://schemas.microsoft.com/office/drawing/2014/main" id="{552BE74E-1532-42AD-8CBE-02474BCE1BC8}"/>
+              </a:ext>
+            </a:extLst>
+          </p:cNvPr>
+          <p:cNvSpPr/>
           <p:nvPr/>
-        </p:nvPicPr>
-        <p:blipFill rotWithShape="1">
-          <a:blip r:embed="rId3">
-            <a:extLst>
-              <a:ext uri="{28A0092B-C50C-407E-A947-70E740481C1C}">
-                <a14:useLocalDpi xmlns:a14="http://schemas.microsoft.com/office/drawing/2010/main" val="0"/>
-              </a:ext>
-            </a:extLst>
-          </a:blip>
-          <a:srcRect l="-617" t="20721" r="-6292" b="23845"/>
-          <a:stretch/>
-        </p:blipFill>
-        <p:spPr bwMode="auto">
+        </p:nvSpPr>
+        <p:spPr>
           <a:xfrm>
-            <a:off x="0" y="1181529"/>
-            <a:ext cx="12192000" cy="4515468"/>
+            <a:off x="1023582" y="4544704"/>
+            <a:ext cx="1037230" cy="759963"/>
           </a:xfrm>
           <a:prstGeom prst="rect">
             <a:avLst/>
           </a:prstGeom>
-          <a:noFill/>
-          <a:extLst>
-            <a:ext uri="{909E8E84-426E-40DD-AFC4-6F175D3DCCD1}">
-              <a14:hiddenFill xmlns:a14="http://schemas.microsoft.com/office/drawing/2010/main">
-                <a:solidFill>
-                  <a:srgbClr val="FFFFFF"/>
-                </a:solidFill>
-              </a14:hiddenFill>
-            </a:ext>
-          </a:extLst>
+          <a:solidFill>
+            <a:schemeClr val="bg1"/>
+          </a:solidFill>
+          <a:ln>
+            <a:solidFill>
+              <a:schemeClr val="bg1"/>
+            </a:solidFill>
+          </a:ln>
         </p:spPr>
-      </p:pic>
+        <p:style>
+          <a:lnRef idx="2">
+            <a:schemeClr val="accent1">
+              <a:shade val="50000"/>
+            </a:schemeClr>
+          </a:lnRef>
+          <a:fillRef idx="1">
+            <a:schemeClr val="accent1"/>
+          </a:fillRef>
+          <a:effectRef idx="0">
+            <a:schemeClr val="accent1"/>
+          </a:effectRef>
+          <a:fontRef idx="minor">
+            <a:schemeClr val="lt1"/>
+          </a:fontRef>
+        </p:style>
+        <p:txBody>
+          <a:bodyPr rtlCol="0" anchor="ctr"/>
+          <a:lstStyle/>
+          <a:p>
+            <a:pPr algn="ctr"/>
+            <a:endParaRPr lang="en-US"/>
+          </a:p>
+        </p:txBody>
+      </p:sp>
     </p:spTree>
     <p:extLst>
       <p:ext uri="{BB962C8B-B14F-4D97-AF65-F5344CB8AC3E}">
-        <p14:creationId xmlns:p14="http://schemas.microsoft.com/office/powerpoint/2010/main" val="3267951134"/>
+        <p14:creationId xmlns:p14="http://schemas.microsoft.com/office/powerpoint/2010/main" val="135595922"/>
       </p:ext>
     </p:extLst>
   </p:cSld>
@@ -14541,7 +14746,7 @@
                                           </p:stCondLst>
                                         </p:cTn>
                                         <p:tgtEl>
-                                          <p:spTgt spid="1026"/>
+                                          <p:spTgt spid="31"/>
                                         </p:tgtEl>
                                         <p:attrNameLst>
                                           <p:attrName>style.visibility</p:attrName>
@@ -14555,7 +14760,253 @@
                                       <p:cBhvr>
                                         <p:cTn id="7" dur="2000"/>
                                         <p:tgtEl>
-                                          <p:spTgt spid="1026"/>
+                                          <p:spTgt spid="31"/>
+                                        </p:tgtEl>
+                                      </p:cBhvr>
+                                    </p:animEffect>
+                                  </p:childTnLst>
+                                </p:cTn>
+                              </p:par>
+                            </p:childTnLst>
+                          </p:cTn>
+                        </p:par>
+                      </p:childTnLst>
+                    </p:cTn>
+                  </p:par>
+                  <p:par>
+                    <p:cTn id="8" fill="hold">
+                      <p:stCondLst>
+                        <p:cond delay="indefinite"/>
+                      </p:stCondLst>
+                      <p:childTnLst>
+                        <p:par>
+                          <p:cTn id="9" fill="hold">
+                            <p:stCondLst>
+                              <p:cond delay="0"/>
+                            </p:stCondLst>
+                            <p:childTnLst>
+                              <p:par>
+                                <p:cTn id="10" presetID="10" presetClass="entr" presetSubtype="0" fill="hold" grpId="0" nodeType="clickEffect">
+                                  <p:stCondLst>
+                                    <p:cond delay="0"/>
+                                  </p:stCondLst>
+                                  <p:childTnLst>
+                                    <p:set>
+                                      <p:cBhvr>
+                                        <p:cTn id="11" dur="1" fill="hold">
+                                          <p:stCondLst>
+                                            <p:cond delay="0"/>
+                                          </p:stCondLst>
+                                        </p:cTn>
+                                        <p:tgtEl>
+                                          <p:spTgt spid="32"/>
+                                        </p:tgtEl>
+                                        <p:attrNameLst>
+                                          <p:attrName>style.visibility</p:attrName>
+                                        </p:attrNameLst>
+                                      </p:cBhvr>
+                                      <p:to>
+                                        <p:strVal val="visible"/>
+                                      </p:to>
+                                    </p:set>
+                                    <p:animEffect transition="in" filter="fade">
+                                      <p:cBhvr>
+                                        <p:cTn id="12" dur="500"/>
+                                        <p:tgtEl>
+                                          <p:spTgt spid="32"/>
+                                        </p:tgtEl>
+                                      </p:cBhvr>
+                                    </p:animEffect>
+                                  </p:childTnLst>
+                                </p:cTn>
+                              </p:par>
+                              <p:par>
+                                <p:cTn id="13" presetID="10" presetClass="entr" presetSubtype="0" fill="hold" grpId="0" nodeType="withEffect">
+                                  <p:stCondLst>
+                                    <p:cond delay="0"/>
+                                  </p:stCondLst>
+                                  <p:childTnLst>
+                                    <p:set>
+                                      <p:cBhvr>
+                                        <p:cTn id="14" dur="1" fill="hold">
+                                          <p:stCondLst>
+                                            <p:cond delay="0"/>
+                                          </p:stCondLst>
+                                        </p:cTn>
+                                        <p:tgtEl>
+                                          <p:spTgt spid="37"/>
+                                        </p:tgtEl>
+                                        <p:attrNameLst>
+                                          <p:attrName>style.visibility</p:attrName>
+                                        </p:attrNameLst>
+                                      </p:cBhvr>
+                                      <p:to>
+                                        <p:strVal val="visible"/>
+                                      </p:to>
+                                    </p:set>
+                                    <p:animEffect transition="in" filter="fade">
+                                      <p:cBhvr>
+                                        <p:cTn id="15" dur="500"/>
+                                        <p:tgtEl>
+                                          <p:spTgt spid="37"/>
+                                        </p:tgtEl>
+                                      </p:cBhvr>
+                                    </p:animEffect>
+                                  </p:childTnLst>
+                                </p:cTn>
+                              </p:par>
+                              <p:par>
+                                <p:cTn id="16" presetID="10" presetClass="entr" presetSubtype="0" fill="hold" grpId="0" nodeType="withEffect">
+                                  <p:stCondLst>
+                                    <p:cond delay="0"/>
+                                  </p:stCondLst>
+                                  <p:childTnLst>
+                                    <p:set>
+                                      <p:cBhvr>
+                                        <p:cTn id="17" dur="1" fill="hold">
+                                          <p:stCondLst>
+                                            <p:cond delay="0"/>
+                                          </p:stCondLst>
+                                        </p:cTn>
+                                        <p:tgtEl>
+                                          <p:spTgt spid="33"/>
+                                        </p:tgtEl>
+                                        <p:attrNameLst>
+                                          <p:attrName>style.visibility</p:attrName>
+                                        </p:attrNameLst>
+                                      </p:cBhvr>
+                                      <p:to>
+                                        <p:strVal val="visible"/>
+                                      </p:to>
+                                    </p:set>
+                                    <p:animEffect transition="in" filter="fade">
+                                      <p:cBhvr>
+                                        <p:cTn id="18" dur="500"/>
+                                        <p:tgtEl>
+                                          <p:spTgt spid="33"/>
+                                        </p:tgtEl>
+                                      </p:cBhvr>
+                                    </p:animEffect>
+                                  </p:childTnLst>
+                                </p:cTn>
+                              </p:par>
+                            </p:childTnLst>
+                          </p:cTn>
+                        </p:par>
+                      </p:childTnLst>
+                    </p:cTn>
+                  </p:par>
+                  <p:par>
+                    <p:cTn id="19" fill="hold">
+                      <p:stCondLst>
+                        <p:cond delay="indefinite"/>
+                      </p:stCondLst>
+                      <p:childTnLst>
+                        <p:par>
+                          <p:cTn id="20" fill="hold">
+                            <p:stCondLst>
+                              <p:cond delay="0"/>
+                            </p:stCondLst>
+                            <p:childTnLst>
+                              <p:par>
+                                <p:cTn id="21" presetID="10" presetClass="entr" presetSubtype="0" fill="hold" grpId="0" nodeType="clickEffect">
+                                  <p:stCondLst>
+                                    <p:cond delay="0"/>
+                                  </p:stCondLst>
+                                  <p:childTnLst>
+                                    <p:set>
+                                      <p:cBhvr>
+                                        <p:cTn id="22" dur="1" fill="hold">
+                                          <p:stCondLst>
+                                            <p:cond delay="0"/>
+                                          </p:stCondLst>
+                                        </p:cTn>
+                                        <p:tgtEl>
+                                          <p:spTgt spid="34"/>
+                                        </p:tgtEl>
+                                        <p:attrNameLst>
+                                          <p:attrName>style.visibility</p:attrName>
+                                        </p:attrNameLst>
+                                      </p:cBhvr>
+                                      <p:to>
+                                        <p:strVal val="visible"/>
+                                      </p:to>
+                                    </p:set>
+                                    <p:animEffect transition="in" filter="fade">
+                                      <p:cBhvr>
+                                        <p:cTn id="23" dur="500"/>
+                                        <p:tgtEl>
+                                          <p:spTgt spid="34"/>
+                                        </p:tgtEl>
+                                      </p:cBhvr>
+                                    </p:animEffect>
+                                  </p:childTnLst>
+                                </p:cTn>
+                              </p:par>
+                              <p:par>
+                                <p:cTn id="24" presetID="10" presetClass="entr" presetSubtype="0" fill="hold" grpId="0" nodeType="withEffect">
+                                  <p:stCondLst>
+                                    <p:cond delay="0"/>
+                                  </p:stCondLst>
+                                  <p:childTnLst>
+                                    <p:set>
+                                      <p:cBhvr>
+                                        <p:cTn id="25" dur="1" fill="hold">
+                                          <p:stCondLst>
+                                            <p:cond delay="0"/>
+                                          </p:stCondLst>
+                                        </p:cTn>
+                                        <p:tgtEl>
+                                          <p:spTgt spid="35"/>
+                                        </p:tgtEl>
+                                        <p:attrNameLst>
+                                          <p:attrName>style.visibility</p:attrName>
+                                        </p:attrNameLst>
+                                      </p:cBhvr>
+                                      <p:to>
+                                        <p:strVal val="visible"/>
+                                      </p:to>
+                                    </p:set>
+                                    <p:animEffect transition="in" filter="fade">
+                                      <p:cBhvr>
+                                        <p:cTn id="26" dur="500"/>
+                                        <p:tgtEl>
+                                          <p:spTgt spid="35"/>
+                                        </p:tgtEl>
+                                      </p:cBhvr>
+                                    </p:animEffect>
+                                  </p:childTnLst>
+                                </p:cTn>
+                              </p:par>
+                              <p:par>
+                                <p:cTn id="27" presetID="10" presetClass="entr" presetSubtype="0" fill="hold" grpId="0" nodeType="withEffect">
+                                  <p:stCondLst>
+                                    <p:cond delay="0"/>
+                                  </p:stCondLst>
+                                  <p:childTnLst>
+                                    <p:set>
+                                      <p:cBhvr>
+                                        <p:cTn id="28" dur="1" fill="hold">
+                                          <p:stCondLst>
+                                            <p:cond delay="0"/>
+                                          </p:stCondLst>
+                                        </p:cTn>
+                                        <p:tgtEl>
+                                          <p:spTgt spid="36"/>
+                                        </p:tgtEl>
+                                        <p:attrNameLst>
+                                          <p:attrName>style.visibility</p:attrName>
+                                        </p:attrNameLst>
+                                      </p:cBhvr>
+                                      <p:to>
+                                        <p:strVal val="visible"/>
+                                      </p:to>
+                                    </p:set>
+                                    <p:animEffect transition="in" filter="fade">
+                                      <p:cBhvr>
+                                        <p:cTn id="29" dur="500"/>
+                                        <p:tgtEl>
+                                          <p:spTgt spid="36"/>
                                         </p:tgtEl>
                                       </p:cBhvr>
                                     </p:animEffect>
@@ -14589,6 +15040,14 @@
         </p:cTn>
       </p:par>
     </p:tnLst>
+    <p:bldLst>
+      <p:bldP spid="32" grpId="0" animBg="1"/>
+      <p:bldP spid="33" grpId="0"/>
+      <p:bldP spid="34" grpId="0" animBg="1"/>
+      <p:bldP spid="35" grpId="0"/>
+      <p:bldP spid="36" grpId="0"/>
+      <p:bldP spid="37" grpId="0"/>
+    </p:bldLst>
   </p:timing>
 </p:sld>
 </file>
@@ -15176,6 +15635,13 @@
             <a:r>
               <a:rPr lang="en-US" dirty="0"/>
               <a:t>Relationship between ABV and IBU</a:t>
+            </a:r>
+          </a:p>
+          <a:p>
+            <a:pPr lvl="0"/>
+            <a:r>
+              <a:rPr lang="en-US" dirty="0"/>
+              <a:t>Top 10 Beer Styles</a:t>
             </a:r>
           </a:p>
           <a:p>
@@ -15553,6 +16019,67 @@
                                           <p:spTgt spid="7">
                                             <p:txEl>
                                               <p:pRg st="4" end="4"/>
+                                            </p:txEl>
+                                          </p:spTgt>
+                                        </p:tgtEl>
+                                      </p:cBhvr>
+                                    </p:animEffect>
+                                  </p:childTnLst>
+                                </p:cTn>
+                              </p:par>
+                            </p:childTnLst>
+                          </p:cTn>
+                        </p:par>
+                      </p:childTnLst>
+                    </p:cTn>
+                  </p:par>
+                  <p:par>
+                    <p:cTn id="28" fill="hold">
+                      <p:stCondLst>
+                        <p:cond delay="indefinite"/>
+                      </p:stCondLst>
+                      <p:childTnLst>
+                        <p:par>
+                          <p:cTn id="29" fill="hold">
+                            <p:stCondLst>
+                              <p:cond delay="0"/>
+                            </p:stCondLst>
+                            <p:childTnLst>
+                              <p:par>
+                                <p:cTn id="30" presetID="10" presetClass="entr" presetSubtype="0" fill="hold" nodeType="clickEffect">
+                                  <p:stCondLst>
+                                    <p:cond delay="0"/>
+                                  </p:stCondLst>
+                                  <p:childTnLst>
+                                    <p:set>
+                                      <p:cBhvr>
+                                        <p:cTn id="31" dur="1" fill="hold">
+                                          <p:stCondLst>
+                                            <p:cond delay="0"/>
+                                          </p:stCondLst>
+                                        </p:cTn>
+                                        <p:tgtEl>
+                                          <p:spTgt spid="7">
+                                            <p:txEl>
+                                              <p:pRg st="5" end="5"/>
+                                            </p:txEl>
+                                          </p:spTgt>
+                                        </p:tgtEl>
+                                        <p:attrNameLst>
+                                          <p:attrName>style.visibility</p:attrName>
+                                        </p:attrNameLst>
+                                      </p:cBhvr>
+                                      <p:to>
+                                        <p:strVal val="visible"/>
+                                      </p:to>
+                                    </p:set>
+                                    <p:animEffect transition="in" filter="fade">
+                                      <p:cBhvr>
+                                        <p:cTn id="32" dur="500"/>
+                                        <p:tgtEl>
+                                          <p:spTgt spid="7">
+                                            <p:txEl>
+                                              <p:pRg st="5" end="5"/>
                                             </p:txEl>
                                           </p:spTgt>
                                         </p:tgtEl>
@@ -19817,6 +20344,152 @@
                                   </p:childTnLst>
                                 </p:cTn>
                               </p:par>
+                              <p:par>
+                                <p:cTn id="8" presetID="2" presetClass="entr" presetSubtype="2" fill="hold" grpId="0" nodeType="withEffect">
+                                  <p:stCondLst>
+                                    <p:cond delay="0"/>
+                                  </p:stCondLst>
+                                  <p:childTnLst>
+                                    <p:set>
+                                      <p:cBhvr>
+                                        <p:cTn id="9" dur="1" fill="hold">
+                                          <p:stCondLst>
+                                            <p:cond delay="0"/>
+                                          </p:stCondLst>
+                                        </p:cTn>
+                                        <p:tgtEl>
+                                          <p:spTgt spid="10"/>
+                                        </p:tgtEl>
+                                        <p:attrNameLst>
+                                          <p:attrName>style.visibility</p:attrName>
+                                        </p:attrNameLst>
+                                      </p:cBhvr>
+                                      <p:to>
+                                        <p:strVal val="visible"/>
+                                      </p:to>
+                                    </p:set>
+                                    <p:anim calcmode="lin" valueType="num">
+                                      <p:cBhvr additive="base">
+                                        <p:cTn id="10" dur="500" fill="hold"/>
+                                        <p:tgtEl>
+                                          <p:spTgt spid="10"/>
+                                        </p:tgtEl>
+                                        <p:attrNameLst>
+                                          <p:attrName>ppt_x</p:attrName>
+                                        </p:attrNameLst>
+                                      </p:cBhvr>
+                                      <p:tavLst>
+                                        <p:tav tm="0">
+                                          <p:val>
+                                            <p:strVal val="1+#ppt_w/2"/>
+                                          </p:val>
+                                        </p:tav>
+                                        <p:tav tm="100000">
+                                          <p:val>
+                                            <p:strVal val="#ppt_x"/>
+                                          </p:val>
+                                        </p:tav>
+                                      </p:tavLst>
+                                    </p:anim>
+                                    <p:anim calcmode="lin" valueType="num">
+                                      <p:cBhvr additive="base">
+                                        <p:cTn id="11" dur="500" fill="hold"/>
+                                        <p:tgtEl>
+                                          <p:spTgt spid="10"/>
+                                        </p:tgtEl>
+                                        <p:attrNameLst>
+                                          <p:attrName>ppt_y</p:attrName>
+                                        </p:attrNameLst>
+                                      </p:cBhvr>
+                                      <p:tavLst>
+                                        <p:tav tm="0">
+                                          <p:val>
+                                            <p:strVal val="#ppt_y"/>
+                                          </p:val>
+                                        </p:tav>
+                                        <p:tav tm="100000">
+                                          <p:val>
+                                            <p:strVal val="#ppt_y"/>
+                                          </p:val>
+                                        </p:tav>
+                                      </p:tavLst>
+                                    </p:anim>
+                                  </p:childTnLst>
+                                </p:cTn>
+                              </p:par>
+                              <p:par>
+                                <p:cTn id="12" presetID="2" presetClass="entr" presetSubtype="8" fill="hold" grpId="0" nodeType="withEffect">
+                                  <p:stCondLst>
+                                    <p:cond delay="0"/>
+                                  </p:stCondLst>
+                                  <p:childTnLst>
+                                    <p:set>
+                                      <p:cBhvr>
+                                        <p:cTn id="13" dur="1" fill="hold">
+                                          <p:stCondLst>
+                                            <p:cond delay="0"/>
+                                          </p:stCondLst>
+                                        </p:cTn>
+                                        <p:tgtEl>
+                                          <p:spTgt spid="3"/>
+                                        </p:tgtEl>
+                                        <p:attrNameLst>
+                                          <p:attrName>style.visibility</p:attrName>
+                                        </p:attrNameLst>
+                                      </p:cBhvr>
+                                      <p:to>
+                                        <p:strVal val="visible"/>
+                                      </p:to>
+                                    </p:set>
+                                    <p:anim calcmode="lin" valueType="num">
+                                      <p:cBhvr additive="base">
+                                        <p:cTn id="14" dur="500" fill="hold"/>
+                                        <p:tgtEl>
+                                          <p:spTgt spid="3"/>
+                                        </p:tgtEl>
+                                        <p:attrNameLst>
+                                          <p:attrName>ppt_x</p:attrName>
+                                        </p:attrNameLst>
+                                      </p:cBhvr>
+                                      <p:tavLst>
+                                        <p:tav tm="0">
+                                          <p:val>
+                                            <p:strVal val="0-#ppt_w/2"/>
+                                          </p:val>
+                                        </p:tav>
+                                        <p:tav tm="100000">
+                                          <p:val>
+                                            <p:strVal val="#ppt_x"/>
+                                          </p:val>
+                                        </p:tav>
+                                      </p:tavLst>
+                                    </p:anim>
+                                    <p:anim calcmode="lin" valueType="num">
+                                      <p:cBhvr additive="base">
+                                        <p:cTn id="15" dur="500" fill="hold"/>
+                                        <p:tgtEl>
+                                          <p:spTgt spid="3"/>
+                                        </p:tgtEl>
+                                        <p:attrNameLst>
+                                          <p:attrName>ppt_y</p:attrName>
+                                        </p:attrNameLst>
+                                      </p:cBhvr>
+                                      <p:tavLst>
+                                        <p:tav tm="0">
+                                          <p:val>
+                                            <p:strVal val="#ppt_y"/>
+                                          </p:val>
+                                        </p:tav>
+                                        <p:tav tm="100000">
+                                          <p:val>
+                                            <p:strVal val="#ppt_y"/>
+                                          </p:val>
+                                        </p:tav>
+                                      </p:tavLst>
+                                    </p:anim>
+                                  </p:childTnLst>
+                                </p:cTn>
+                              </p:par>
                             </p:childTnLst>
                           </p:cTn>
                         </p:par>
@@ -19824,26 +20497,26 @@
                     </p:cTn>
                   </p:par>
                   <p:par>
-                    <p:cTn id="8" fill="hold">
+                    <p:cTn id="16" fill="hold">
                       <p:stCondLst>
                         <p:cond delay="indefinite"/>
                       </p:stCondLst>
                       <p:childTnLst>
                         <p:par>
-                          <p:cTn id="9" fill="hold">
+                          <p:cTn id="17" fill="hold">
                             <p:stCondLst>
                               <p:cond delay="0"/>
                             </p:stCondLst>
                             <p:childTnLst>
                               <p:par>
-                                <p:cTn id="10" presetID="10" presetClass="entr" presetSubtype="0" fill="hold" grpId="0" nodeType="clickEffect">
+                                <p:cTn id="18" presetID="10" presetClass="entr" presetSubtype="0" fill="hold" grpId="0" nodeType="clickEffect">
                                   <p:stCondLst>
                                     <p:cond delay="0"/>
                                   </p:stCondLst>
                                   <p:childTnLst>
                                     <p:set>
                                       <p:cBhvr>
-                                        <p:cTn id="11" dur="1" fill="hold">
+                                        <p:cTn id="19" dur="1" fill="hold">
                                           <p:stCondLst>
                                             <p:cond delay="0"/>
                                           </p:stCondLst>
@@ -19865,7 +20538,7 @@
                                     </p:set>
                                     <p:animEffect transition="in" filter="fade">
                                       <p:cBhvr>
-                                        <p:cTn id="12" dur="500"/>
+                                        <p:cTn id="20" dur="500"/>
                                         <p:tgtEl>
                                           <p:spTgt spid="33">
                                             <p:txEl>
@@ -19879,14 +20552,14 @@
                                 </p:cTn>
                               </p:par>
                               <p:par>
-                                <p:cTn id="13" presetID="10" presetClass="entr" presetSubtype="0" fill="hold" grpId="0" nodeType="withEffect">
+                                <p:cTn id="21" presetID="10" presetClass="entr" presetSubtype="0" fill="hold" grpId="0" nodeType="withEffect">
                                   <p:stCondLst>
                                     <p:cond delay="0"/>
                                   </p:stCondLst>
                                   <p:childTnLst>
                                     <p:set>
                                       <p:cBhvr>
-                                        <p:cTn id="14" dur="1" fill="hold">
+                                        <p:cTn id="22" dur="1" fill="hold">
                                           <p:stCondLst>
                                             <p:cond delay="0"/>
                                           </p:stCondLst>
@@ -19908,7 +20581,7 @@
                                     </p:set>
                                     <p:animEffect transition="in" filter="fade">
                                       <p:cBhvr>
-                                        <p:cTn id="15" dur="500"/>
+                                        <p:cTn id="23" dur="500"/>
                                         <p:tgtEl>
                                           <p:spTgt spid="33">
                                             <p:txEl>
@@ -19922,14 +20595,14 @@
                                 </p:cTn>
                               </p:par>
                               <p:par>
-                                <p:cTn id="16" presetID="10" presetClass="entr" presetSubtype="0" fill="hold" grpId="0" nodeType="withEffect">
+                                <p:cTn id="24" presetID="10" presetClass="entr" presetSubtype="0" fill="hold" grpId="0" nodeType="withEffect">
                                   <p:stCondLst>
                                     <p:cond delay="0"/>
                                   </p:stCondLst>
                                   <p:childTnLst>
                                     <p:set>
                                       <p:cBhvr>
-                                        <p:cTn id="17" dur="1" fill="hold">
+                                        <p:cTn id="25" dur="1" fill="hold">
                                           <p:stCondLst>
                                             <p:cond delay="0"/>
                                           </p:stCondLst>
@@ -19951,7 +20624,7 @@
                                     </p:set>
                                     <p:animEffect transition="in" filter="fade">
                                       <p:cBhvr>
-                                        <p:cTn id="18" dur="500"/>
+                                        <p:cTn id="26" dur="500"/>
                                         <p:tgtEl>
                                           <p:spTgt spid="33">
                                             <p:txEl>
@@ -19965,14 +20638,14 @@
                                 </p:cTn>
                               </p:par>
                               <p:par>
-                                <p:cTn id="19" presetID="10" presetClass="entr" presetSubtype="0" fill="hold" grpId="0" nodeType="withEffect">
+                                <p:cTn id="27" presetID="10" presetClass="entr" presetSubtype="0" fill="hold" grpId="0" nodeType="withEffect">
                                   <p:stCondLst>
                                     <p:cond delay="0"/>
                                   </p:stCondLst>
                                   <p:childTnLst>
                                     <p:set>
                                       <p:cBhvr>
-                                        <p:cTn id="20" dur="1" fill="hold">
+                                        <p:cTn id="28" dur="1" fill="hold">
                                           <p:stCondLst>
                                             <p:cond delay="0"/>
                                           </p:stCondLst>
@@ -19994,101 +20667,13 @@
                                     </p:set>
                                     <p:animEffect transition="in" filter="fade">
                                       <p:cBhvr>
-                                        <p:cTn id="21" dur="500"/>
+                                        <p:cTn id="29" dur="500"/>
                                         <p:tgtEl>
                                           <p:spTgt spid="33">
                                             <p:txEl>
                                               <p:pRg st="3" end="3"/>
                                             </p:txEl>
                                           </p:spTgt>
-                                        </p:tgtEl>
-                                      </p:cBhvr>
-                                    </p:animEffect>
-                                  </p:childTnLst>
-                                </p:cTn>
-                              </p:par>
-                              <p:par>
-                                <p:cTn id="22" presetID="10" presetClass="entr" presetSubtype="0" fill="hold" nodeType="withEffect">
-                                  <p:stCondLst>
-                                    <p:cond delay="0"/>
-                                  </p:stCondLst>
-                                  <p:childTnLst>
-                                    <p:set>
-                                      <p:cBhvr>
-                                        <p:cTn id="23" dur="1" fill="hold">
-                                          <p:stCondLst>
-                                            <p:cond delay="0"/>
-                                          </p:stCondLst>
-                                        </p:cTn>
-                                        <p:tgtEl>
-                                          <p:spTgt spid="16"/>
-                                        </p:tgtEl>
-                                        <p:attrNameLst>
-                                          <p:attrName>style.visibility</p:attrName>
-                                        </p:attrNameLst>
-                                      </p:cBhvr>
-                                      <p:to>
-                                        <p:strVal val="visible"/>
-                                      </p:to>
-                                    </p:set>
-                                    <p:animEffect transition="in" filter="fade">
-                                      <p:cBhvr>
-                                        <p:cTn id="24" dur="500"/>
-                                        <p:tgtEl>
-                                          <p:spTgt spid="16"/>
-                                        </p:tgtEl>
-                                      </p:cBhvr>
-                                    </p:animEffect>
-                                  </p:childTnLst>
-                                </p:cTn>
-                              </p:par>
-                            </p:childTnLst>
-                          </p:cTn>
-                        </p:par>
-                      </p:childTnLst>
-                    </p:cTn>
-                  </p:par>
-                  <p:par>
-                    <p:cTn id="25" fill="hold">
-                      <p:stCondLst>
-                        <p:cond delay="indefinite"/>
-                      </p:stCondLst>
-                      <p:childTnLst>
-                        <p:par>
-                          <p:cTn id="26" fill="hold">
-                            <p:stCondLst>
-                              <p:cond delay="0"/>
-                            </p:stCondLst>
-                            <p:childTnLst>
-                              <p:par>
-                                <p:cTn id="27" presetID="10" presetClass="entr" presetSubtype="0" fill="hold" grpId="0" nodeType="clickEffect">
-                                  <p:stCondLst>
-                                    <p:cond delay="0"/>
-                                  </p:stCondLst>
-                                  <p:childTnLst>
-                                    <p:set>
-                                      <p:cBhvr>
-                                        <p:cTn id="28" dur="1" fill="hold">
-                                          <p:stCondLst>
-                                            <p:cond delay="0"/>
-                                          </p:stCondLst>
-                                        </p:cTn>
-                                        <p:tgtEl>
-                                          <p:spTgt spid="25"/>
-                                        </p:tgtEl>
-                                        <p:attrNameLst>
-                                          <p:attrName>style.visibility</p:attrName>
-                                        </p:attrNameLst>
-                                      </p:cBhvr>
-                                      <p:to>
-                                        <p:strVal val="visible"/>
-                                      </p:to>
-                                    </p:set>
-                                    <p:animEffect transition="in" filter="fade">
-                                      <p:cBhvr>
-                                        <p:cTn id="29" dur="500"/>
-                                        <p:tgtEl>
-                                          <p:spTgt spid="25"/>
                                         </p:tgtEl>
                                       </p:cBhvr>
                                     </p:animEffect>
@@ -20109,7 +20694,7 @@
                                           </p:stCondLst>
                                         </p:cTn>
                                         <p:tgtEl>
-                                          <p:spTgt spid="13"/>
+                                          <p:spTgt spid="16"/>
                                         </p:tgtEl>
                                         <p:attrNameLst>
                                           <p:attrName>style.visibility</p:attrName>
@@ -20123,7 +20708,7 @@
                                       <p:cBhvr>
                                         <p:cTn id="32" dur="500"/>
                                         <p:tgtEl>
-                                          <p:spTgt spid="13"/>
+                                          <p:spTgt spid="16"/>
                                         </p:tgtEl>
                                       </p:cBhvr>
                                     </p:animEffect>
@@ -20162,7 +20747,7 @@
                                           </p:stCondLst>
                                         </p:cTn>
                                         <p:tgtEl>
-                                          <p:spTgt spid="21"/>
+                                          <p:spTgt spid="25"/>
                                         </p:tgtEl>
                                         <p:attrNameLst>
                                           <p:attrName>style.visibility</p:attrName>
@@ -20176,7 +20761,7 @@
                                       <p:cBhvr>
                                         <p:cTn id="37" dur="500"/>
                                         <p:tgtEl>
-                                          <p:spTgt spid="21"/>
+                                          <p:spTgt spid="25"/>
                                         </p:tgtEl>
                                       </p:cBhvr>
                                     </p:animEffect>
@@ -20184,7 +20769,7 @@
                                 </p:cTn>
                               </p:par>
                               <p:par>
-                                <p:cTn id="38" presetID="2" presetClass="entr" presetSubtype="8" fill="hold" grpId="0" nodeType="withEffect">
+                                <p:cTn id="38" presetID="10" presetClass="entr" presetSubtype="0" fill="hold" nodeType="withEffect">
                                   <p:stCondLst>
                                     <p:cond delay="0"/>
                                   </p:stCondLst>
@@ -20197,7 +20782,7 @@
                                           </p:stCondLst>
                                         </p:cTn>
                                         <p:tgtEl>
-                                          <p:spTgt spid="3"/>
+                                          <p:spTgt spid="13"/>
                                         </p:tgtEl>
                                         <p:attrNameLst>
                                           <p:attrName>style.visibility</p:attrName>
@@ -20207,52 +20792,14 @@
                                         <p:strVal val="visible"/>
                                       </p:to>
                                     </p:set>
-                                    <p:anim calcmode="lin" valueType="num">
-                                      <p:cBhvr additive="base">
-                                        <p:cTn id="40" dur="500" fill="hold"/>
+                                    <p:animEffect transition="in" filter="fade">
+                                      <p:cBhvr>
+                                        <p:cTn id="40" dur="500"/>
                                         <p:tgtEl>
-                                          <p:spTgt spid="3"/>
+                                          <p:spTgt spid="13"/>
                                         </p:tgtEl>
-                                        <p:attrNameLst>
-                                          <p:attrName>ppt_x</p:attrName>
-                                        </p:attrNameLst>
                                       </p:cBhvr>
-                                      <p:tavLst>
-                                        <p:tav tm="0">
-                                          <p:val>
-                                            <p:strVal val="0-#ppt_w/2"/>
-                                          </p:val>
-                                        </p:tav>
-                                        <p:tav tm="100000">
-                                          <p:val>
-                                            <p:strVal val="#ppt_x"/>
-                                          </p:val>
-                                        </p:tav>
-                                      </p:tavLst>
-                                    </p:anim>
-                                    <p:anim calcmode="lin" valueType="num">
-                                      <p:cBhvr additive="base">
-                                        <p:cTn id="41" dur="500" fill="hold"/>
-                                        <p:tgtEl>
-                                          <p:spTgt spid="3"/>
-                                        </p:tgtEl>
-                                        <p:attrNameLst>
-                                          <p:attrName>ppt_y</p:attrName>
-                                        </p:attrNameLst>
-                                      </p:cBhvr>
-                                      <p:tavLst>
-                                        <p:tav tm="0">
-                                          <p:val>
-                                            <p:strVal val="#ppt_y"/>
-                                          </p:val>
-                                        </p:tav>
-                                        <p:tav tm="100000">
-                                          <p:val>
-                                            <p:strVal val="#ppt_y"/>
-                                          </p:val>
-                                        </p:tav>
-                                      </p:tavLst>
-                                    </p:anim>
+                                    </p:animEffect>
                                   </p:childTnLst>
                                 </p:cTn>
                               </p:par>
@@ -20263,26 +20810,79 @@
                     </p:cTn>
                   </p:par>
                   <p:par>
-                    <p:cTn id="42" fill="hold">
+                    <p:cTn id="41" fill="hold">
                       <p:stCondLst>
                         <p:cond delay="indefinite"/>
                       </p:stCondLst>
                       <p:childTnLst>
                         <p:par>
-                          <p:cTn id="43" fill="hold">
+                          <p:cTn id="42" fill="hold">
                             <p:stCondLst>
                               <p:cond delay="0"/>
                             </p:stCondLst>
                             <p:childTnLst>
                               <p:par>
-                                <p:cTn id="44" presetID="10" presetClass="entr" presetSubtype="0" fill="hold" grpId="0" nodeType="clickEffect">
+                                <p:cTn id="43" presetID="10" presetClass="entr" presetSubtype="0" fill="hold" grpId="0" nodeType="clickEffect">
                                   <p:stCondLst>
                                     <p:cond delay="0"/>
                                   </p:stCondLst>
                                   <p:childTnLst>
                                     <p:set>
                                       <p:cBhvr>
-                                        <p:cTn id="45" dur="1" fill="hold">
+                                        <p:cTn id="44" dur="1" fill="hold">
+                                          <p:stCondLst>
+                                            <p:cond delay="0"/>
+                                          </p:stCondLst>
+                                        </p:cTn>
+                                        <p:tgtEl>
+                                          <p:spTgt spid="21"/>
+                                        </p:tgtEl>
+                                        <p:attrNameLst>
+                                          <p:attrName>style.visibility</p:attrName>
+                                        </p:attrNameLst>
+                                      </p:cBhvr>
+                                      <p:to>
+                                        <p:strVal val="visible"/>
+                                      </p:to>
+                                    </p:set>
+                                    <p:animEffect transition="in" filter="fade">
+                                      <p:cBhvr>
+                                        <p:cTn id="45" dur="500"/>
+                                        <p:tgtEl>
+                                          <p:spTgt spid="21"/>
+                                        </p:tgtEl>
+                                      </p:cBhvr>
+                                    </p:animEffect>
+                                  </p:childTnLst>
+                                </p:cTn>
+                              </p:par>
+                            </p:childTnLst>
+                          </p:cTn>
+                        </p:par>
+                      </p:childTnLst>
+                    </p:cTn>
+                  </p:par>
+                  <p:par>
+                    <p:cTn id="46" fill="hold">
+                      <p:stCondLst>
+                        <p:cond delay="indefinite"/>
+                      </p:stCondLst>
+                      <p:childTnLst>
+                        <p:par>
+                          <p:cTn id="47" fill="hold">
+                            <p:stCondLst>
+                              <p:cond delay="0"/>
+                            </p:stCondLst>
+                            <p:childTnLst>
+                              <p:par>
+                                <p:cTn id="48" presetID="10" presetClass="entr" presetSubtype="0" fill="hold" grpId="0" nodeType="clickEffect">
+                                  <p:stCondLst>
+                                    <p:cond delay="0"/>
+                                  </p:stCondLst>
+                                  <p:childTnLst>
+                                    <p:set>
+                                      <p:cBhvr>
+                                        <p:cTn id="49" dur="1" fill="hold">
                                           <p:stCondLst>
                                             <p:cond delay="0"/>
                                           </p:stCondLst>
@@ -20300,85 +20900,12 @@
                                     </p:set>
                                     <p:animEffect transition="in" filter="fade">
                                       <p:cBhvr>
-                                        <p:cTn id="46" dur="500"/>
+                                        <p:cTn id="50" dur="500"/>
                                         <p:tgtEl>
                                           <p:spTgt spid="23"/>
                                         </p:tgtEl>
                                       </p:cBhvr>
                                     </p:animEffect>
-                                  </p:childTnLst>
-                                </p:cTn>
-                              </p:par>
-                              <p:par>
-                                <p:cTn id="47" presetID="2" presetClass="entr" presetSubtype="2" fill="hold" grpId="0" nodeType="withEffect">
-                                  <p:stCondLst>
-                                    <p:cond delay="0"/>
-                                  </p:stCondLst>
-                                  <p:childTnLst>
-                                    <p:set>
-                                      <p:cBhvr>
-                                        <p:cTn id="48" dur="1" fill="hold">
-                                          <p:stCondLst>
-                                            <p:cond delay="0"/>
-                                          </p:stCondLst>
-                                        </p:cTn>
-                                        <p:tgtEl>
-                                          <p:spTgt spid="10"/>
-                                        </p:tgtEl>
-                                        <p:attrNameLst>
-                                          <p:attrName>style.visibility</p:attrName>
-                                        </p:attrNameLst>
-                                      </p:cBhvr>
-                                      <p:to>
-                                        <p:strVal val="visible"/>
-                                      </p:to>
-                                    </p:set>
-                                    <p:anim calcmode="lin" valueType="num">
-                                      <p:cBhvr additive="base">
-                                        <p:cTn id="49" dur="500" fill="hold"/>
-                                        <p:tgtEl>
-                                          <p:spTgt spid="10"/>
-                                        </p:tgtEl>
-                                        <p:attrNameLst>
-                                          <p:attrName>ppt_x</p:attrName>
-                                        </p:attrNameLst>
-                                      </p:cBhvr>
-                                      <p:tavLst>
-                                        <p:tav tm="0">
-                                          <p:val>
-                                            <p:strVal val="1+#ppt_w/2"/>
-                                          </p:val>
-                                        </p:tav>
-                                        <p:tav tm="100000">
-                                          <p:val>
-                                            <p:strVal val="#ppt_x"/>
-                                          </p:val>
-                                        </p:tav>
-                                      </p:tavLst>
-                                    </p:anim>
-                                    <p:anim calcmode="lin" valueType="num">
-                                      <p:cBhvr additive="base">
-                                        <p:cTn id="50" dur="500" fill="hold"/>
-                                        <p:tgtEl>
-                                          <p:spTgt spid="10"/>
-                                        </p:tgtEl>
-                                        <p:attrNameLst>
-                                          <p:attrName>ppt_y</p:attrName>
-                                        </p:attrNameLst>
-                                      </p:cBhvr>
-                                      <p:tavLst>
-                                        <p:tav tm="0">
-                                          <p:val>
-                                            <p:strVal val="#ppt_y"/>
-                                          </p:val>
-                                        </p:tav>
-                                        <p:tav tm="100000">
-                                          <p:val>
-                                            <p:strVal val="#ppt_y"/>
-                                          </p:val>
-                                        </p:tav>
-                                      </p:tavLst>
-                                    </p:anim>
                                   </p:childTnLst>
                                 </p:cTn>
                               </p:par>
@@ -23179,6 +23706,14 @@
 </file>
 
 <file path=customXml/item2.xml><?xml version="1.0" encoding="utf-8"?>
+<p:properties xmlns:p="http://schemas.microsoft.com/office/2006/metadata/properties" xmlns:xsi="http://www.w3.org/2001/XMLSchema-instance" xmlns:pc="http://schemas.microsoft.com/office/infopath/2007/PartnerControls">
+  <documentManagement>
+    <MediaServiceKeyPoints xmlns="71af3243-3dd4-4a8d-8c0d-dd76da1f02a5" xsi:nil="true"/>
+  </documentManagement>
+</p:properties>
+</file>
+
+<file path=customXml/item3.xml><?xml version="1.0" encoding="utf-8"?>
 <ct:contentTypeSchema xmlns:ct="http://schemas.microsoft.com/office/2006/metadata/contentType" xmlns:ma="http://schemas.microsoft.com/office/2006/metadata/properties/metaAttributes" ct:_="" ma:_="" ma:contentTypeName="Document" ma:contentTypeID="0x01010079F111ED35F8CC479449609E8A0923A6" ma:contentTypeVersion="11" ma:contentTypeDescription="Create a new document." ma:contentTypeScope="" ma:versionID="96291512c1ee715ab617f4c07df79fc1">
   <xsd:schema xmlns:xsd="http://www.w3.org/2001/XMLSchema" xmlns:xs="http://www.w3.org/2001/XMLSchema" xmlns:p="http://schemas.microsoft.com/office/2006/metadata/properties" xmlns:ns2="71af3243-3dd4-4a8d-8c0d-dd76da1f02a5" xmlns:ns3="16c05727-aa75-4e4a-9b5f-8a80a1165891" targetNamespace="http://schemas.microsoft.com/office/2006/metadata/properties" ma:root="true" ma:fieldsID="8256c27c40ca5c40ce1cf6c44f0205df" ns2:_="" ns3:_="">
     <xsd:import namespace="71af3243-3dd4-4a8d-8c0d-dd76da1f02a5"/>
@@ -23389,14 +23924,6 @@
 </ct:contentTypeSchema>
 </file>
 
-<file path=customXml/item3.xml><?xml version="1.0" encoding="utf-8"?>
-<p:properties xmlns:p="http://schemas.microsoft.com/office/2006/metadata/properties" xmlns:xsi="http://www.w3.org/2001/XMLSchema-instance" xmlns:pc="http://schemas.microsoft.com/office/infopath/2007/PartnerControls">
-  <documentManagement>
-    <MediaServiceKeyPoints xmlns="71af3243-3dd4-4a8d-8c0d-dd76da1f02a5" xsi:nil="true"/>
-  </documentManagement>
-</p:properties>
-</file>
-
 <file path=customXml/itemProps1.xml><?xml version="1.0" encoding="utf-8"?>
 <ds:datastoreItem xmlns:ds="http://schemas.openxmlformats.org/officeDocument/2006/customXml" ds:itemID="{A80A5AF1-8C57-4290-936E-5FD27C957251}">
   <ds:schemaRefs>
@@ -23406,6 +23933,16 @@
 </file>
 
 <file path=customXml/itemProps2.xml><?xml version="1.0" encoding="utf-8"?>
+<ds:datastoreItem xmlns:ds="http://schemas.openxmlformats.org/officeDocument/2006/customXml" ds:itemID="{C87F4215-C6BB-44A3-9A5E-9446E6835900}">
+  <ds:schemaRefs>
+    <ds:schemaRef ds:uri="http://schemas.microsoft.com/office/2006/metadata/properties"/>
+    <ds:schemaRef ds:uri="http://schemas.microsoft.com/office/infopath/2007/PartnerControls"/>
+    <ds:schemaRef ds:uri="71af3243-3dd4-4a8d-8c0d-dd76da1f02a5"/>
+  </ds:schemaRefs>
+</ds:datastoreItem>
+</file>
+
+<file path=customXml/itemProps3.xml><?xml version="1.0" encoding="utf-8"?>
 <ds:datastoreItem xmlns:ds="http://schemas.openxmlformats.org/officeDocument/2006/customXml" ds:itemID="{8F8919DE-9BD9-47A9-9F5D-16EBB9687974}">
   <ds:schemaRefs>
     <ds:schemaRef ds:uri="http://schemas.microsoft.com/office/2006/metadata/contentType"/>
@@ -23422,14 +23959,4 @@
     <ds:schemaRef ds:uri="http://schemas.microsoft.com/internal/obd"/>
   </ds:schemaRefs>
 </ds:datastoreItem>
-</file>
-
-<file path=customXml/itemProps3.xml><?xml version="1.0" encoding="utf-8"?>
-<ds:datastoreItem xmlns:ds="http://schemas.openxmlformats.org/officeDocument/2006/customXml" ds:itemID="{C87F4215-C6BB-44A3-9A5E-9446E6835900}">
-  <ds:schemaRefs>
-    <ds:schemaRef ds:uri="http://schemas.microsoft.com/office/2006/metadata/properties"/>
-    <ds:schemaRef ds:uri="http://schemas.microsoft.com/office/infopath/2007/PartnerControls"/>
-    <ds:schemaRef ds:uri="71af3243-3dd4-4a8d-8c0d-dd76da1f02a5"/>
-  </ds:schemaRefs>
-</ds:datastoreItem>
 </file>
--- a/Duy & Garrett - Case Study 1.pptx
+++ b/Duy & Garrett - Case Study 1.pptx
@@ -242,7 +242,7 @@
           <a:p>
             <a:fld id="{872BFC85-49E4-447A-A7E3-16153CB2FE2A}" type="datetimeFigureOut">
               <a:rPr lang="en-US" smtClean="0"/>
-              <a:t>3/3/2022</a:t>
+              <a:t>3/4/2022</a:t>
             </a:fld>
             <a:endParaRPr lang="en-US" dirty="0"/>
           </a:p>
@@ -419,7 +419,7 @@
           <a:p>
             <a:fld id="{1071B50E-4C60-4F9E-B773-52059170945B}" type="datetimeFigureOut">
               <a:rPr lang="en-US" noProof="0" smtClean="0"/>
-              <a:t>3/3/2022</a:t>
+              <a:t>3/4/2022</a:t>
             </a:fld>
             <a:endParaRPr lang="en-US" noProof="0" dirty="0"/>
           </a:p>
@@ -15515,6 +15515,41 @@
           <a:p>
             <a:pPr algn="ctr"/>
             <a:endParaRPr lang="en-US"/>
+          </a:p>
+        </p:txBody>
+      </p:sp>
+      <p:sp>
+        <p:nvSpPr>
+          <p:cNvPr id="2" name="TextBox 1">
+            <a:extLst>
+              <a:ext uri="{FF2B5EF4-FFF2-40B4-BE49-F238E27FC236}">
+                <a16:creationId xmlns:a16="http://schemas.microsoft.com/office/drawing/2014/main" id="{8BD0E48F-041A-4A7A-A075-337790519B19}"/>
+              </a:ext>
+            </a:extLst>
+          </p:cNvPr>
+          <p:cNvSpPr txBox="1"/>
+          <p:nvPr/>
+        </p:nvSpPr>
+        <p:spPr>
+          <a:xfrm>
+            <a:off x="764275" y="2272767"/>
+            <a:ext cx="4696094" cy="369332"/>
+          </a:xfrm>
+          <a:prstGeom prst="rect">
+            <a:avLst/>
+          </a:prstGeom>
+          <a:noFill/>
+        </p:spPr>
+        <p:txBody>
+          <a:bodyPr wrap="none" rtlCol="0">
+            <a:spAutoFit/>
+          </a:bodyPr>
+          <a:lstStyle/>
+          <a:p>
+            <a:r>
+              <a:rPr lang="en-US" dirty="0"/>
+              <a:t>Garrett Shankel - https://youtu.be/F2KTOjOjZYg </a:t>
+            </a:r>
           </a:p>
         </p:txBody>
       </p:sp>
@@ -23697,20 +23732,20 @@
 </file>
 
 <file path=customXml/item1.xml><?xml version="1.0" encoding="utf-8"?>
+<p:properties xmlns:p="http://schemas.microsoft.com/office/2006/metadata/properties" xmlns:xsi="http://www.w3.org/2001/XMLSchema-instance" xmlns:pc="http://schemas.microsoft.com/office/infopath/2007/PartnerControls">
+  <documentManagement>
+    <MediaServiceKeyPoints xmlns="71af3243-3dd4-4a8d-8c0d-dd76da1f02a5" xsi:nil="true"/>
+  </documentManagement>
+</p:properties>
+</file>
+
+<file path=customXml/item2.xml><?xml version="1.0" encoding="utf-8"?>
 <?mso-contentType ?>
 <FormTemplates xmlns="http://schemas.microsoft.com/sharepoint/v3/contenttype/forms">
   <Display>DocumentLibraryForm</Display>
   <Edit>DocumentLibraryForm</Edit>
   <New>DocumentLibraryForm</New>
 </FormTemplates>
-</file>
-
-<file path=customXml/item2.xml><?xml version="1.0" encoding="utf-8"?>
-<p:properties xmlns:p="http://schemas.microsoft.com/office/2006/metadata/properties" xmlns:xsi="http://www.w3.org/2001/XMLSchema-instance" xmlns:pc="http://schemas.microsoft.com/office/infopath/2007/PartnerControls">
-  <documentManagement>
-    <MediaServiceKeyPoints xmlns="71af3243-3dd4-4a8d-8c0d-dd76da1f02a5" xsi:nil="true"/>
-  </documentManagement>
-</p:properties>
 </file>
 
 <file path=customXml/item3.xml><?xml version="1.0" encoding="utf-8"?>
@@ -23925,19 +23960,19 @@
 </file>
 
 <file path=customXml/itemProps1.xml><?xml version="1.0" encoding="utf-8"?>
-<ds:datastoreItem xmlns:ds="http://schemas.openxmlformats.org/officeDocument/2006/customXml" ds:itemID="{A80A5AF1-8C57-4290-936E-5FD27C957251}">
+<ds:datastoreItem xmlns:ds="http://schemas.openxmlformats.org/officeDocument/2006/customXml" ds:itemID="{C87F4215-C6BB-44A3-9A5E-9446E6835900}">
   <ds:schemaRefs>
-    <ds:schemaRef ds:uri="http://schemas.microsoft.com/sharepoint/v3/contenttype/forms"/>
+    <ds:schemaRef ds:uri="http://schemas.microsoft.com/office/2006/metadata/properties"/>
+    <ds:schemaRef ds:uri="http://schemas.microsoft.com/office/infopath/2007/PartnerControls"/>
+    <ds:schemaRef ds:uri="71af3243-3dd4-4a8d-8c0d-dd76da1f02a5"/>
   </ds:schemaRefs>
 </ds:datastoreItem>
 </file>
 
 <file path=customXml/itemProps2.xml><?xml version="1.0" encoding="utf-8"?>
-<ds:datastoreItem xmlns:ds="http://schemas.openxmlformats.org/officeDocument/2006/customXml" ds:itemID="{C87F4215-C6BB-44A3-9A5E-9446E6835900}">
+<ds:datastoreItem xmlns:ds="http://schemas.openxmlformats.org/officeDocument/2006/customXml" ds:itemID="{A80A5AF1-8C57-4290-936E-5FD27C957251}">
   <ds:schemaRefs>
-    <ds:schemaRef ds:uri="http://schemas.microsoft.com/office/2006/metadata/properties"/>
-    <ds:schemaRef ds:uri="http://schemas.microsoft.com/office/infopath/2007/PartnerControls"/>
-    <ds:schemaRef ds:uri="71af3243-3dd4-4a8d-8c0d-dd76da1f02a5"/>
+    <ds:schemaRef ds:uri="http://schemas.microsoft.com/sharepoint/v3/contenttype/forms"/>
   </ds:schemaRefs>
 </ds:datastoreItem>
 </file>
